--- a/documents/P5_Presentationprojet.pptx
+++ b/documents/P5_Presentationprojet.pptx
@@ -205,7 +205,7 @@
           <a:p>
             <a:fld id="{C4C3E8E9-A919-4C68-B121-14F6D52B650C}" type="datetimeFigureOut">
               <a:rPr lang="fr-FR" smtClean="0"/>
-              <a:t>21/12/2020</a:t>
+              <a:t>05/01/2021</a:t>
             </a:fld>
             <a:endParaRPr lang="fr-FR"/>
           </a:p>
@@ -979,7 +979,7 @@
           <a:p>
             <a:fld id="{FE0D7259-87B9-47CA-BDEC-5E4090DC5F8C}" type="datetime1">
               <a:rPr lang="en-US" smtClean="0"/>
-              <a:t>12/21/2020</a:t>
+              <a:t>1/5/2021</a:t>
             </a:fld>
             <a:endParaRPr lang="en-US"/>
           </a:p>
@@ -1196,7 +1196,7 @@
           <a:p>
             <a:fld id="{11FEDB67-1693-43A0-9021-85F20F6F8AED}" type="datetime1">
               <a:rPr lang="en-US" smtClean="0"/>
-              <a:t>12/21/2020</a:t>
+              <a:t>1/5/2021</a:t>
             </a:fld>
             <a:endParaRPr lang="en-US"/>
           </a:p>
@@ -1388,7 +1388,7 @@
           <a:p>
             <a:fld id="{28CF767E-2D91-4B6D-8927-95616B518184}" type="datetime1">
               <a:rPr lang="en-US" smtClean="0"/>
-              <a:t>12/21/2020</a:t>
+              <a:t>1/5/2021</a:t>
             </a:fld>
             <a:endParaRPr lang="en-US"/>
           </a:p>
@@ -1490,7 +1490,7 @@
           <a:p>
             <a:fld id="{E1E77539-BEFC-4A18-B7F5-4AD99A53FA3F}" type="datetime1">
               <a:rPr lang="en-US" smtClean="0"/>
-              <a:t>12/21/2020</a:t>
+              <a:t>1/5/2021</a:t>
             </a:fld>
             <a:endParaRPr lang="en-US"/>
           </a:p>
@@ -2091,7 +2091,7 @@
           <a:p>
             <a:fld id="{8C052279-316E-4322-9EED-FB99523F486A}" type="datetime1">
               <a:rPr lang="en-US" smtClean="0"/>
-              <a:t>12/21/2020</a:t>
+              <a:t>1/5/2021</a:t>
             </a:fld>
             <a:endParaRPr lang="en-US"/>
           </a:p>
@@ -2193,7 +2193,7 @@
           <a:p>
             <a:fld id="{6F311A7E-14CC-4DE4-BB24-955A4AF16883}" type="datetime1">
               <a:rPr lang="en-US" smtClean="0"/>
-              <a:t>12/21/2020</a:t>
+              <a:t>1/5/2021</a:t>
             </a:fld>
             <a:endParaRPr lang="en-US"/>
           </a:p>
@@ -2803,7 +2803,7 @@
           <a:p>
             <a:fld id="{EF870C3A-172C-4742-920C-170AC9D6884C}" type="datetime1">
               <a:rPr lang="en-US" smtClean="0"/>
-              <a:t>12/21/2020</a:t>
+              <a:t>1/5/2021</a:t>
             </a:fld>
             <a:endParaRPr lang="en-US"/>
           </a:p>
@@ -2951,7 +2951,7 @@
           <a:p>
             <a:fld id="{F0697F3A-1F5C-45D2-8635-BAC0A49137F8}" type="datetime1">
               <a:rPr lang="en-US" smtClean="0"/>
-              <a:t>12/21/2020</a:t>
+              <a:t>1/5/2021</a:t>
             </a:fld>
             <a:endParaRPr lang="en-US"/>
           </a:p>
@@ -3053,7 +3053,7 @@
           <a:p>
             <a:fld id="{7CE40A2E-73EE-4399-AF44-FCFE875BF5D2}" type="datetime1">
               <a:rPr lang="en-US" smtClean="0"/>
-              <a:t>12/21/2020</a:t>
+              <a:t>1/5/2021</a:t>
             </a:fld>
             <a:endParaRPr lang="en-US"/>
           </a:p>
@@ -3342,7 +3342,7 @@
           <a:p>
             <a:fld id="{0E5875F7-6E45-4E8B-AAB9-B00487A5ED42}" type="datetime1">
               <a:rPr lang="en-US" smtClean="0"/>
-              <a:t>12/21/2020</a:t>
+              <a:t>1/5/2021</a:t>
             </a:fld>
             <a:endParaRPr lang="en-US"/>
           </a:p>
@@ -3869,7 +3869,7 @@
           <a:p>
             <a:fld id="{E6D889CD-65BC-4528-9972-1F20B0B941FC}" type="datetime1">
               <a:rPr lang="en-US" smtClean="0"/>
-              <a:t>12/21/2020</a:t>
+              <a:t>1/5/2021</a:t>
             </a:fld>
             <a:endParaRPr lang="en-US"/>
           </a:p>
@@ -4394,7 +4394,7 @@
           <a:p>
             <a:fld id="{1E7E45CF-CF3A-4023-8F43-FD308A6C0D8F}" type="datetime1">
               <a:rPr lang="en-US" smtClean="0"/>
-              <a:t>12/21/2020</a:t>
+              <a:t>1/5/2021</a:t>
             </a:fld>
             <a:endParaRPr lang="en-US" dirty="0"/>
           </a:p>
@@ -5196,8 +5196,8 @@
         </p:nvSpPr>
         <p:spPr>
           <a:xfrm>
-            <a:off x="611560" y="1196752"/>
-            <a:ext cx="7848872" cy="4464496"/>
+            <a:off x="611559" y="1196751"/>
+            <a:ext cx="8077985" cy="4680521"/>
           </a:xfrm>
         </p:spPr>
         <p:txBody>
@@ -5262,6 +5262,14 @@
           </a:p>
           <a:p>
             <a:pPr algn="l"/>
+            <a:endParaRPr lang="fr-FR" sz="1600" dirty="0" smtClean="0"/>
+          </a:p>
+          <a:p>
+            <a:pPr algn="l"/>
+            <a:endParaRPr lang="fr-FR" sz="1600" dirty="0" smtClean="0"/>
+          </a:p>
+          <a:p>
+            <a:pPr algn="l"/>
             <a:r>
               <a:rPr lang="fr-FR" sz="1600" dirty="0" smtClean="0"/>
               <a:t>Mesures de performance : </a:t>
@@ -5275,7 +5283,7 @@
             </a:r>
             <a:r>
               <a:rPr lang="fr-FR" sz="1100" b="1" dirty="0" err="1" smtClean="0"/>
-              <a:t>Cosine_simularity</a:t>
+              <a:t>Jacard_smilarity</a:t>
             </a:r>
             <a:r>
               <a:rPr lang="fr-FR" sz="1100" dirty="0" smtClean="0"/>
@@ -5283,71 +5291,41 @@
             </a:r>
             <a:r>
               <a:rPr lang="fr-FR" sz="1100" dirty="0"/>
-              <a:t>permet de quantifier la ressemblance entre deux vecteurs(vecteurs </a:t>
+              <a:t>permet de </a:t>
             </a:r>
             <a:r>
               <a:rPr lang="fr-FR" sz="1100" dirty="0" smtClean="0"/>
-              <a:t>de </a:t>
-            </a:r>
-            <a:r>
-              <a:rPr lang="fr-FR" sz="1100" dirty="0"/>
-              <a:t>prédictions et vecteurs des vrais </a:t>
+              <a:t>mesurer la </a:t>
             </a:r>
             <a:r>
               <a:rPr lang="fr-FR" sz="1100" dirty="0" smtClean="0"/>
-              <a:t>valeurs)</a:t>
-            </a:r>
+              <a:t>similarité </a:t>
+            </a:r>
+            <a:r>
+              <a:rPr lang="fr-FR" sz="1100" dirty="0" smtClean="0"/>
+              <a:t>entre </a:t>
+            </a:r>
+            <a:r>
+              <a:rPr lang="fr-FR" sz="1100" dirty="0" smtClean="0"/>
+              <a:t>les vrais tags et les </a:t>
+            </a:r>
+            <a:r>
+              <a:rPr lang="fr-FR" sz="1100" dirty="0" smtClean="0"/>
+              <a:t>tags </a:t>
+            </a:r>
+            <a:r>
+              <a:rPr lang="fr-FR" sz="1100" dirty="0" err="1" smtClean="0"/>
+              <a:t>predits</a:t>
+            </a:r>
+            <a:endParaRPr lang="fr-FR" sz="1100" dirty="0" smtClean="0"/>
           </a:p>
           <a:p>
             <a:pPr algn="l"/>
             <a:r>
-              <a:rPr lang="fr-FR" sz="1100" dirty="0" err="1" smtClean="0"/>
-              <a:t>cs</a:t>
-            </a:r>
-            <a:r>
               <a:rPr lang="fr-FR" sz="1100" dirty="0" smtClean="0"/>
-              <a:t> valeur comprise entre [-1,1] : - 1 vecteurs opposés/0 vecteurs indépendants/ 1 vecteurs similaires</a:t>
-            </a:r>
-          </a:p>
-          <a:p>
-            <a:pPr algn="l"/>
+              <a:t>valeur comprise entre [0,1]</a:t>
+            </a:r>
             <a:endParaRPr lang="fr-FR" sz="1100" b="1" dirty="0" smtClean="0"/>
-          </a:p>
-          <a:p>
-            <a:pPr algn="l"/>
-            <a:endParaRPr lang="fr-FR" sz="1100" b="1" dirty="0"/>
-          </a:p>
-          <a:p>
-            <a:pPr algn="l"/>
-            <a:endParaRPr lang="fr-FR" sz="1100" b="1" dirty="0" smtClean="0"/>
-          </a:p>
-          <a:p>
-            <a:pPr algn="l"/>
-            <a:endParaRPr lang="fr-FR" sz="1100" b="1" dirty="0"/>
-          </a:p>
-          <a:p>
-            <a:pPr algn="l"/>
-            <a:endParaRPr lang="fr-FR" sz="1100" b="1" dirty="0" smtClean="0"/>
-          </a:p>
-          <a:p>
-            <a:pPr algn="l"/>
-            <a:endParaRPr lang="fr-FR" sz="1100" b="1" dirty="0" smtClean="0"/>
-          </a:p>
-          <a:p>
-            <a:pPr algn="l"/>
-            <a:r>
-              <a:rPr lang="fr-FR" sz="1100" dirty="0" smtClean="0"/>
-              <a:t>Le </a:t>
-            </a:r>
-            <a:r>
-              <a:rPr lang="fr-FR" sz="1100" dirty="0" err="1" smtClean="0"/>
-              <a:t>DummyClassifierScore</a:t>
-            </a:r>
-            <a:r>
-              <a:rPr lang="fr-FR" sz="1100" dirty="0" smtClean="0"/>
-              <a:t> est un score de référence à battre.</a:t>
-            </a:r>
-            <a:endParaRPr lang="fr-FR" sz="1100" dirty="0" smtClean="0"/>
           </a:p>
         </p:txBody>
       </p:sp>
@@ -5434,7 +5412,7 @@
       </p:pic>
       <p:pic>
         <p:nvPicPr>
-          <p:cNvPr id="7170" name="Picture 2"/>
+          <p:cNvPr id="3074" name="Picture 2"/>
           <p:cNvPicPr>
             <a:picLocks noChangeAspect="1" noChangeArrowheads="1"/>
           </p:cNvPicPr>
@@ -5455,8 +5433,8 @@
         </p:blipFill>
         <p:spPr bwMode="auto">
           <a:xfrm>
-            <a:off x="683568" y="1556793"/>
-            <a:ext cx="6480720" cy="1112994"/>
+            <a:off x="683569" y="1484784"/>
+            <a:ext cx="4536503" cy="2200877"/>
           </a:xfrm>
           <a:prstGeom prst="rect">
             <a:avLst/>
@@ -5498,24 +5476,130 @@
       </p:pic>
       <p:pic>
         <p:nvPicPr>
-          <p:cNvPr id="10" name="Image 9"/>
-          <p:cNvPicPr/>
+          <p:cNvPr id="3075" name="Picture 3"/>
+          <p:cNvPicPr>
+            <a:picLocks noChangeAspect="1" noChangeArrowheads="1"/>
+          </p:cNvPicPr>
           <p:nvPr/>
         </p:nvPicPr>
         <p:blipFill>
-          <a:blip r:embed="rId4"/>
+          <a:blip r:embed="rId4">
+            <a:extLst>
+              <a:ext uri="{28A0092B-C50C-407E-A947-70E740481C1C}">
+                <a14:useLocalDpi xmlns:a14="http://schemas.microsoft.com/office/drawing/2010/main" val="0"/>
+              </a:ext>
+            </a:extLst>
+          </a:blip>
+          <a:srcRect/>
           <a:stretch>
             <a:fillRect/>
           </a:stretch>
         </p:blipFill>
-        <p:spPr>
-          <a:xfrm>
-            <a:off x="711099" y="4149080"/>
-            <a:ext cx="5104474" cy="936104"/>
+        <p:spPr bwMode="auto">
+          <a:xfrm>
+            <a:off x="5685073" y="5033573"/>
+            <a:ext cx="3004472" cy="360040"/>
           </a:xfrm>
           <a:prstGeom prst="rect">
             <a:avLst/>
           </a:prstGeom>
+          <a:noFill/>
+          <a:ln>
+            <a:noFill/>
+          </a:ln>
+          <a:effectLst/>
+          <a:extLst>
+            <a:ext uri="{909E8E84-426E-40DD-AFC4-6F175D3DCCD1}">
+              <a14:hiddenFill xmlns:a14="http://schemas.microsoft.com/office/drawing/2010/main">
+                <a:solidFill>
+                  <a:schemeClr val="accent1"/>
+                </a:solidFill>
+              </a14:hiddenFill>
+            </a:ext>
+            <a:ext uri="{91240B29-F687-4F45-9708-019B960494DF}">
+              <a14:hiddenLine xmlns:a14="http://schemas.microsoft.com/office/drawing/2010/main" w="9525">
+                <a:solidFill>
+                  <a:schemeClr val="tx1"/>
+                </a:solidFill>
+                <a:miter lim="800000"/>
+                <a:headEnd/>
+                <a:tailEnd/>
+              </a14:hiddenLine>
+            </a:ext>
+            <a:ext uri="{AF507438-7753-43E0-B8FC-AC1667EBCBE1}">
+              <a14:hiddenEffects xmlns:a14="http://schemas.microsoft.com/office/drawing/2010/main">
+                <a:effectLst>
+                  <a:outerShdw dist="35921" dir="2700000" algn="ctr" rotWithShape="0">
+                    <a:schemeClr val="bg2"/>
+                  </a:outerShdw>
+                </a:effectLst>
+              </a14:hiddenEffects>
+            </a:ext>
+          </a:extLst>
+        </p:spPr>
+      </p:pic>
+      <p:pic>
+        <p:nvPicPr>
+          <p:cNvPr id="1026" name="Picture 2"/>
+          <p:cNvPicPr>
+            <a:picLocks noChangeAspect="1" noChangeArrowheads="1"/>
+          </p:cNvPicPr>
+          <p:nvPr/>
+        </p:nvPicPr>
+        <p:blipFill>
+          <a:blip r:embed="rId5">
+            <a:extLst>
+              <a:ext uri="{28A0092B-C50C-407E-A947-70E740481C1C}">
+                <a14:useLocalDpi xmlns:a14="http://schemas.microsoft.com/office/drawing/2010/main" val="0"/>
+              </a:ext>
+            </a:extLst>
+          </a:blip>
+          <a:srcRect/>
+          <a:stretch>
+            <a:fillRect/>
+          </a:stretch>
+        </p:blipFill>
+        <p:spPr bwMode="auto">
+          <a:xfrm>
+            <a:off x="714776" y="4497310"/>
+            <a:ext cx="4970297" cy="1288957"/>
+          </a:xfrm>
+          <a:prstGeom prst="rect">
+            <a:avLst/>
+          </a:prstGeom>
+          <a:noFill/>
+          <a:ln>
+            <a:noFill/>
+          </a:ln>
+          <a:effectLst/>
+          <a:extLst>
+            <a:ext uri="{909E8E84-426E-40DD-AFC4-6F175D3DCCD1}">
+              <a14:hiddenFill xmlns:a14="http://schemas.microsoft.com/office/drawing/2010/main">
+                <a:solidFill>
+                  <a:schemeClr val="accent1"/>
+                </a:solidFill>
+              </a14:hiddenFill>
+            </a:ext>
+            <a:ext uri="{91240B29-F687-4F45-9708-019B960494DF}">
+              <a14:hiddenLine xmlns:a14="http://schemas.microsoft.com/office/drawing/2010/main" w="9525">
+                <a:solidFill>
+                  <a:schemeClr val="tx1"/>
+                </a:solidFill>
+                <a:miter lim="800000"/>
+                <a:headEnd/>
+                <a:tailEnd/>
+              </a14:hiddenLine>
+            </a:ext>
+            <a:ext uri="{AF507438-7753-43E0-B8FC-AC1667EBCBE1}">
+              <a14:hiddenEffects xmlns:a14="http://schemas.microsoft.com/office/drawing/2010/main">
+                <a:effectLst>
+                  <a:outerShdw dist="35921" dir="2700000" algn="ctr" rotWithShape="0">
+                    <a:schemeClr val="bg2"/>
+                  </a:outerShdw>
+                </a:effectLst>
+              </a14:hiddenEffects>
+            </a:ext>
+          </a:extLst>
         </p:spPr>
       </p:pic>
     </p:spTree>
@@ -5598,8 +5682,8 @@
         </p:nvSpPr>
         <p:spPr>
           <a:xfrm>
-            <a:off x="611560" y="1196752"/>
-            <a:ext cx="7848872" cy="4464496"/>
+            <a:off x="611560" y="1196751"/>
+            <a:ext cx="7848872" cy="4656713"/>
           </a:xfrm>
         </p:spPr>
         <p:txBody>
@@ -5866,7 +5950,7 @@
           <a:p>
             <a:r>
               <a:rPr lang="fr-FR" sz="1200" dirty="0" smtClean="0"/>
-              <a:t>Modèle à implémenter dans le </a:t>
+              <a:t>Modèle à utiliser dans le </a:t>
             </a:r>
             <a:r>
               <a:rPr lang="fr-FR" sz="1200" dirty="0" err="1" smtClean="0"/>
@@ -6107,15 +6191,65 @@
             <a:pPr algn="l"/>
             <a:r>
               <a:rPr lang="fr-FR" sz="1100" dirty="0" smtClean="0"/>
-              <a:t>Framework </a:t>
+              <a:t>API développé avec </a:t>
+            </a:r>
+            <a:r>
+              <a:rPr lang="fr-FR" sz="1100" dirty="0" err="1" smtClean="0"/>
+              <a:t>Flask</a:t>
+            </a:r>
+            <a:r>
+              <a:rPr lang="fr-FR" sz="1100" dirty="0"/>
+              <a:t> </a:t>
             </a:r>
             <a:r>
               <a:rPr lang="fr-FR" sz="1100" dirty="0" smtClean="0"/>
-              <a:t>python </a:t>
+              <a:t>utilisant le modèle « </a:t>
             </a:r>
             <a:r>
               <a:rPr lang="fr-FR" sz="1100" dirty="0" err="1" smtClean="0"/>
-              <a:t>Streamlit</a:t>
+              <a:t>LogisticRegression</a:t>
+            </a:r>
+            <a:r>
+              <a:rPr lang="fr-FR" sz="1100" dirty="0" smtClean="0"/>
+              <a:t> »</a:t>
+            </a:r>
+          </a:p>
+          <a:p>
+            <a:pPr algn="l"/>
+            <a:r>
+              <a:rPr lang="fr-FR" sz="1100" dirty="0" smtClean="0"/>
+              <a:t>Interface réalisé avec des </a:t>
+            </a:r>
+            <a:r>
+              <a:rPr lang="fr-FR" sz="1100" dirty="0" err="1"/>
+              <a:t>T</a:t>
+            </a:r>
+            <a:r>
+              <a:rPr lang="fr-FR" sz="1100" dirty="0" err="1" smtClean="0"/>
+              <a:t>emplates</a:t>
+            </a:r>
+            <a:r>
+              <a:rPr lang="fr-FR" sz="1100" dirty="0" smtClean="0"/>
+              <a:t> « HTML »</a:t>
+            </a:r>
+          </a:p>
+          <a:p>
+            <a:pPr algn="l"/>
+            <a:r>
+              <a:rPr lang="fr-FR" sz="1100" dirty="0"/>
+              <a:t>H</a:t>
+            </a:r>
+            <a:r>
+              <a:rPr lang="fr-FR" sz="1100" dirty="0" smtClean="0"/>
+              <a:t>ébergement sur </a:t>
+            </a:r>
+            <a:r>
+              <a:rPr lang="fr-FR" sz="1100" dirty="0" err="1"/>
+              <a:t>PythonAnywhere</a:t>
+            </a:r>
+            <a:r>
+              <a:rPr lang="fr-FR" sz="1100" dirty="0"/>
+              <a:t>(http://leandre12.pythonanywhere.com/)</a:t>
             </a:r>
             <a:endParaRPr lang="fr-FR" sz="1100" dirty="0" smtClean="0"/>
           </a:p>
@@ -6131,31 +6265,83 @@
             </a:r>
             <a:r>
               <a:rPr lang="fr-FR" sz="1100" dirty="0" smtClean="0"/>
-              <a:t>peut-on utiliser ensemble </a:t>
+              <a:t>Mes langages préférés sont : </a:t>
             </a:r>
             <a:r>
               <a:rPr lang="fr-FR" sz="1100" dirty="0" err="1" smtClean="0"/>
-              <a:t>Javascript</a:t>
+              <a:t>javascript</a:t>
             </a:r>
             <a:r>
               <a:rPr lang="fr-FR" sz="1100" dirty="0" smtClean="0"/>
-              <a:t>, python, java ?»</a:t>
+              <a:t>, python, c#, PHP»</a:t>
             </a:r>
           </a:p>
           <a:p>
             <a:pPr algn="l"/>
+            <a:endParaRPr lang="fr-FR" sz="1100" dirty="0" smtClean="0"/>
+          </a:p>
+          <a:p>
+            <a:pPr algn="l"/>
+            <a:endParaRPr lang="fr-FR" sz="1100" dirty="0"/>
+          </a:p>
+          <a:p>
+            <a:pPr algn="l"/>
+            <a:endParaRPr lang="fr-FR" sz="1100" dirty="0" smtClean="0"/>
+          </a:p>
+          <a:p>
+            <a:pPr algn="l"/>
+            <a:endParaRPr lang="fr-FR" sz="1100" dirty="0"/>
+          </a:p>
+          <a:p>
+            <a:pPr algn="l"/>
+            <a:endParaRPr lang="fr-FR" sz="1100" dirty="0" smtClean="0"/>
+          </a:p>
+          <a:p>
+            <a:pPr algn="l"/>
+            <a:endParaRPr lang="fr-FR" sz="1100" dirty="0"/>
+          </a:p>
+          <a:p>
+            <a:pPr algn="l"/>
+            <a:endParaRPr lang="fr-FR" sz="1100" dirty="0" smtClean="0"/>
+          </a:p>
+          <a:p>
+            <a:pPr algn="l"/>
+            <a:endParaRPr lang="fr-FR" sz="1100" dirty="0"/>
+          </a:p>
+          <a:p>
+            <a:pPr algn="l"/>
+            <a:endParaRPr lang="fr-FR" sz="1100" dirty="0" smtClean="0"/>
+          </a:p>
+          <a:p>
+            <a:pPr algn="l"/>
+            <a:endParaRPr lang="fr-FR" sz="1100" dirty="0"/>
+          </a:p>
+          <a:p>
+            <a:pPr algn="l"/>
+            <a:endParaRPr lang="fr-FR" sz="1100" dirty="0" smtClean="0"/>
+          </a:p>
+          <a:p>
+            <a:pPr algn="l"/>
+            <a:endParaRPr lang="fr-FR" sz="1100" dirty="0"/>
+          </a:p>
+          <a:p>
+            <a:pPr algn="l"/>
             <a:r>
               <a:rPr lang="fr-FR" sz="1100" dirty="0" smtClean="0"/>
-              <a:t>Modèle : </a:t>
-            </a:r>
-            <a:r>
-              <a:rPr lang="fr-FR" sz="1100" dirty="0" err="1" smtClean="0"/>
-              <a:t>LogisticsRegression</a:t>
-            </a:r>
-            <a:endParaRPr lang="fr-FR" sz="1100" dirty="0" smtClean="0"/>
-          </a:p>
-          <a:p>
-            <a:pPr algn="l"/>
+              <a:t>Résultat : </a:t>
+            </a:r>
+            <a:r>
+              <a:rPr lang="fr-FR" sz="1100" dirty="0"/>
+              <a:t>['</a:t>
+            </a:r>
+            <a:r>
+              <a:rPr lang="fr-FR" sz="1100" dirty="0" err="1"/>
+              <a:t>javascript</a:t>
+            </a:r>
+            <a:r>
+              <a:rPr lang="fr-FR" sz="1100" dirty="0"/>
+              <a:t>', 'python']</a:t>
+            </a:r>
             <a:endParaRPr lang="fr-FR" sz="1100" dirty="0" smtClean="0"/>
           </a:p>
         </p:txBody>
@@ -6243,7 +6429,7 @@
       </p:pic>
       <p:pic>
         <p:nvPicPr>
-          <p:cNvPr id="1026" name="Picture 2"/>
+          <p:cNvPr id="4098" name="Picture 2"/>
           <p:cNvPicPr>
             <a:picLocks noChangeAspect="1" noChangeArrowheads="1"/>
           </p:cNvPicPr>
@@ -6264,8 +6450,8 @@
         </p:blipFill>
         <p:spPr bwMode="auto">
           <a:xfrm>
-            <a:off x="683568" y="2204864"/>
-            <a:ext cx="7087919" cy="3114477"/>
+            <a:off x="639947" y="2708920"/>
+            <a:ext cx="7545673" cy="2435874"/>
           </a:xfrm>
           <a:prstGeom prst="rect">
             <a:avLst/>
@@ -6475,14 +6661,6 @@
               <a:rPr lang="fr-FR" dirty="0" smtClean="0"/>
               <a:t>- Pris en compte date d’enregistrement</a:t>
             </a:r>
-          </a:p>
-          <a:p>
-            <a:pPr algn="l"/>
-            <a:r>
-              <a:rPr lang="fr-FR" dirty="0" smtClean="0"/>
-              <a:t>	- Amélioration du temps de réactivité du formulaire</a:t>
-            </a:r>
-            <a:endParaRPr lang="fr-FR" dirty="0"/>
           </a:p>
         </p:txBody>
       </p:sp>
@@ -7171,7 +7349,15 @@
             </a:r>
             <a:r>
               <a:rPr lang="fr-FR" sz="1500" dirty="0" smtClean="0"/>
-              <a:t>- Questions-réponses sur des programmations informatiques</a:t>
+              <a:t>- </a:t>
+            </a:r>
+            <a:r>
+              <a:rPr lang="fr-FR" sz="1500" dirty="0" smtClean="0"/>
+              <a:t>Questions-réponses </a:t>
+            </a:r>
+            <a:r>
+              <a:rPr lang="fr-FR" sz="1500" dirty="0" smtClean="0"/>
+              <a:t>des programmations informatiques</a:t>
             </a:r>
           </a:p>
           <a:p>
@@ -7238,7 +7424,15 @@
             <a:pPr algn="l"/>
             <a:r>
               <a:rPr lang="fr-FR" sz="1600" dirty="0" smtClean="0"/>
-              <a:t>	- suggestion des tags associés à une question</a:t>
+              <a:t>	- </a:t>
+            </a:r>
+            <a:r>
+              <a:rPr lang="fr-FR" sz="1600" dirty="0" smtClean="0"/>
+              <a:t>Suggestion </a:t>
+            </a:r>
+            <a:r>
+              <a:rPr lang="fr-FR" sz="1600" dirty="0" smtClean="0"/>
+              <a:t>des tags associés à une question</a:t>
             </a:r>
           </a:p>
           <a:p>
@@ -7871,12 +8065,8 @@
               <a:t>Nettoyages : chiffres, ponctuations, car </a:t>
             </a:r>
             <a:r>
-              <a:rPr lang="fr-FR" sz="1200" dirty="0" err="1" smtClean="0"/>
-              <a:t>speciaux</a:t>
-            </a:r>
-            <a:r>
               <a:rPr lang="fr-FR" sz="1200" dirty="0" smtClean="0"/>
-              <a:t>, </a:t>
+              <a:t>spéciaux, </a:t>
             </a:r>
             <a:r>
               <a:rPr lang="fr-FR" sz="1200" dirty="0" err="1" smtClean="0"/>
@@ -7895,7 +8085,11 @@
             </a:r>
             <a:r>
               <a:rPr lang="fr-FR" sz="1200" dirty="0" smtClean="0"/>
-              <a:t> et lemmatisation </a:t>
+              <a:t> et </a:t>
+            </a:r>
+            <a:r>
+              <a:rPr lang="fr-FR" sz="1200" dirty="0" smtClean="0"/>
+              <a:t>lemmatisation</a:t>
             </a:r>
             <a:endParaRPr lang="fr-FR" sz="1800" dirty="0" smtClean="0"/>
           </a:p>
@@ -9320,8 +9514,29 @@
             </a:r>
             <a:r>
               <a:rPr lang="fr-FR" sz="1100" dirty="0" smtClean="0"/>
-              <a:t>)</a:t>
-            </a:r>
+              <a:t>) puis prédire </a:t>
+            </a:r>
+            <a:r>
+              <a:rPr lang="fr-FR" sz="1100" dirty="0" smtClean="0"/>
+              <a:t>les </a:t>
+            </a:r>
+            <a:r>
+              <a:rPr lang="fr-FR" sz="1100" dirty="0" smtClean="0"/>
+              <a:t>tags en fonction </a:t>
+            </a:r>
+            <a:r>
+              <a:rPr lang="fr-FR" sz="1100" dirty="0" smtClean="0"/>
+              <a:t>des mots  de ces </a:t>
+            </a:r>
+            <a:r>
+              <a:rPr lang="fr-FR" sz="1100" dirty="0" err="1"/>
+              <a:t>T</a:t>
+            </a:r>
+            <a:r>
+              <a:rPr lang="fr-FR" sz="1100" dirty="0" err="1" smtClean="0"/>
+              <a:t>opics</a:t>
+            </a:r>
+            <a:endParaRPr lang="fr-FR" sz="1100" dirty="0" smtClean="0"/>
           </a:p>
           <a:p>
             <a:pPr algn="l"/>
@@ -9457,19 +9672,11 @@
             </a:r>
             <a:r>
               <a:rPr lang="fr-FR" sz="1100" b="1" u="sng" dirty="0" smtClean="0"/>
-              <a:t> optimal avec </a:t>
-            </a:r>
-            <a:r>
-              <a:rPr lang="fr-FR" sz="1100" b="1" u="sng" dirty="0" err="1" smtClean="0"/>
-              <a:t>coherence_score</a:t>
-            </a:r>
-            <a:r>
-              <a:rPr lang="fr-FR" sz="1100" b="1" u="sng" dirty="0" smtClean="0"/>
-              <a:t> </a:t>
+              <a:t> optimal avec le modèle HDP</a:t>
             </a:r>
             <a:r>
               <a:rPr lang="fr-FR" sz="1100" dirty="0" smtClean="0"/>
-              <a:t>:</a:t>
+              <a:t>: 20</a:t>
             </a:r>
           </a:p>
         </p:txBody>
@@ -9557,7 +9764,7 @@
       </p:pic>
       <p:pic>
         <p:nvPicPr>
-          <p:cNvPr id="5122" name="Picture 2"/>
+          <p:cNvPr id="2050" name="Picture 2"/>
           <p:cNvPicPr>
             <a:picLocks noChangeAspect="1" noChangeArrowheads="1"/>
           </p:cNvPicPr>
@@ -9578,8 +9785,8 @@
         </p:blipFill>
         <p:spPr bwMode="auto">
           <a:xfrm>
-            <a:off x="755576" y="3861048"/>
-            <a:ext cx="2567111" cy="1712860"/>
+            <a:off x="3635896" y="3641803"/>
+            <a:ext cx="4824536" cy="2564016"/>
           </a:xfrm>
           <a:prstGeom prst="rect">
             <a:avLst/>
@@ -9619,48 +9826,6 @@
           </a:extLst>
         </p:spPr>
       </p:pic>
-      <p:sp>
-        <p:nvSpPr>
-          <p:cNvPr id="4" name="ZoneTexte 3"/>
-          <p:cNvSpPr txBox="1"/>
-          <p:nvPr/>
-        </p:nvSpPr>
-        <p:spPr>
-          <a:xfrm>
-            <a:off x="4355976" y="4354071"/>
-            <a:ext cx="3528392" cy="276999"/>
-          </a:xfrm>
-          <a:prstGeom prst="rect">
-            <a:avLst/>
-          </a:prstGeom>
-          <a:noFill/>
-        </p:spPr>
-        <p:txBody>
-          <a:bodyPr wrap="square" rtlCol="0">
-            <a:spAutoFit/>
-          </a:bodyPr>
-          <a:lstStyle/>
-          <a:p>
-            <a:r>
-              <a:rPr lang="fr-FR" sz="1200" dirty="0" err="1" smtClean="0"/>
-              <a:t>Topics</a:t>
-            </a:r>
-            <a:r>
-              <a:rPr lang="fr-FR" sz="1200" dirty="0" smtClean="0"/>
-              <a:t> à 6 pour </a:t>
-            </a:r>
-            <a:r>
-              <a:rPr lang="fr-FR" sz="1200" dirty="0" err="1" smtClean="0"/>
-              <a:t>coherence_score</a:t>
-            </a:r>
-            <a:r>
-              <a:rPr lang="fr-FR" sz="1200" dirty="0" smtClean="0"/>
-              <a:t> = 0,40</a:t>
-            </a:r>
-            <a:endParaRPr lang="fr-FR" sz="1200" dirty="0"/>
-          </a:p>
-        </p:txBody>
-      </p:sp>
     </p:spTree>
     <p:extLst>
       <p:ext uri="{BB962C8B-B14F-4D97-AF65-F5344CB8AC3E}">
@@ -9753,33 +9918,6 @@
           <a:p>
             <a:pPr algn="l"/>
             <a:r>
-              <a:rPr lang="fr-FR" sz="1200" u="sng" dirty="0" smtClean="0"/>
-              <a:t>Les mots associés aux </a:t>
-            </a:r>
-            <a:r>
-              <a:rPr lang="fr-FR" sz="1200" u="sng" dirty="0" err="1" smtClean="0"/>
-              <a:t>topics</a:t>
-            </a:r>
-            <a:r>
-              <a:rPr lang="fr-FR" sz="1200" u="sng" dirty="0" smtClean="0"/>
-              <a:t>  LDA:</a:t>
-            </a:r>
-          </a:p>
-          <a:p>
-            <a:pPr algn="l"/>
-            <a:endParaRPr lang="fr-FR" sz="1600" dirty="0" smtClean="0"/>
-          </a:p>
-          <a:p>
-            <a:pPr algn="l"/>
-            <a:endParaRPr lang="fr-FR" sz="1600" dirty="0"/>
-          </a:p>
-          <a:p>
-            <a:pPr algn="l"/>
-            <a:endParaRPr lang="fr-FR" sz="1600" dirty="0" smtClean="0"/>
-          </a:p>
-          <a:p>
-            <a:pPr algn="l"/>
-            <a:r>
               <a:rPr lang="fr-FR" sz="1200" dirty="0" smtClean="0"/>
               <a:t>Représentation graphique avec </a:t>
             </a:r>
@@ -9876,9 +10014,71 @@
           </a:prstGeom>
         </p:spPr>
       </p:pic>
+      <p:sp>
+        <p:nvSpPr>
+          <p:cNvPr id="4" name="ZoneTexte 3"/>
+          <p:cNvSpPr txBox="1"/>
+          <p:nvPr/>
+        </p:nvSpPr>
+        <p:spPr>
+          <a:xfrm>
+            <a:off x="5652120" y="1564879"/>
+            <a:ext cx="3240360" cy="938719"/>
+          </a:xfrm>
+          <a:prstGeom prst="rect">
+            <a:avLst/>
+          </a:prstGeom>
+          <a:noFill/>
+        </p:spPr>
+        <p:txBody>
+          <a:bodyPr wrap="square" rtlCol="0">
+            <a:spAutoFit/>
+          </a:bodyPr>
+          <a:lstStyle/>
+          <a:p>
+            <a:r>
+              <a:rPr lang="fr-FR" sz="1100" dirty="0" smtClean="0"/>
+              <a:t>La taille du cercle -&gt; l’importance du </a:t>
+            </a:r>
+            <a:r>
+              <a:rPr lang="fr-FR" sz="1100" dirty="0" err="1" smtClean="0"/>
+              <a:t>topic</a:t>
+            </a:r>
+            <a:r>
+              <a:rPr lang="fr-FR" sz="1100" dirty="0" smtClean="0"/>
+              <a:t> dans le document</a:t>
+            </a:r>
+          </a:p>
+          <a:p>
+            <a:r>
+              <a:rPr lang="fr-FR" sz="1100" dirty="0" smtClean="0"/>
+              <a:t>Distance entre les cercles -&gt; similitude</a:t>
+            </a:r>
+          </a:p>
+          <a:p>
+            <a:r>
+              <a:rPr lang="fr-FR" sz="1100" dirty="0" smtClean="0"/>
+              <a:t>Plot en rouge </a:t>
+            </a:r>
+            <a:r>
+              <a:rPr lang="fr-FR" sz="1100" dirty="0"/>
+              <a:t>-&gt; </a:t>
+            </a:r>
+            <a:r>
+              <a:rPr lang="fr-FR" sz="1100" dirty="0" smtClean="0"/>
+              <a:t>proportion des mots dans le </a:t>
+            </a:r>
+            <a:r>
+              <a:rPr lang="fr-FR" sz="1100" dirty="0" err="1" smtClean="0"/>
+              <a:t>topic</a:t>
+            </a:r>
+            <a:endParaRPr lang="fr-FR" sz="1100" dirty="0"/>
+          </a:p>
+        </p:txBody>
+      </p:sp>
       <p:pic>
         <p:nvPicPr>
-          <p:cNvPr id="6146" name="Picture 2"/>
+          <p:cNvPr id="1026" name="Picture 2"/>
           <p:cNvPicPr>
             <a:picLocks noChangeAspect="1" noChangeArrowheads="1"/>
           </p:cNvPicPr>
@@ -9899,8 +10099,8 @@
         </p:blipFill>
         <p:spPr bwMode="auto">
           <a:xfrm>
-            <a:off x="707504" y="1484784"/>
-            <a:ext cx="6585967" cy="921700"/>
+            <a:off x="691313" y="1550653"/>
+            <a:ext cx="4997413" cy="3102483"/>
           </a:xfrm>
           <a:prstGeom prst="rect">
             <a:avLst/>
@@ -9940,90 +10140,6 @@
           </a:extLst>
         </p:spPr>
       </p:pic>
-      <p:pic>
-        <p:nvPicPr>
-          <p:cNvPr id="11" name="Image 10"/>
-          <p:cNvPicPr/>
-          <p:nvPr/>
-        </p:nvPicPr>
-        <p:blipFill>
-          <a:blip r:embed="rId4"/>
-          <a:stretch>
-            <a:fillRect/>
-          </a:stretch>
-        </p:blipFill>
-        <p:spPr>
-          <a:xfrm>
-            <a:off x="708260" y="2852936"/>
-            <a:ext cx="4655828" cy="2808312"/>
-          </a:xfrm>
-          <a:prstGeom prst="rect">
-            <a:avLst/>
-          </a:prstGeom>
-        </p:spPr>
-      </p:pic>
-      <p:sp>
-        <p:nvSpPr>
-          <p:cNvPr id="4" name="ZoneTexte 3"/>
-          <p:cNvSpPr txBox="1"/>
-          <p:nvPr/>
-        </p:nvSpPr>
-        <p:spPr>
-          <a:xfrm>
-            <a:off x="5796136" y="3826205"/>
-            <a:ext cx="3240360" cy="938719"/>
-          </a:xfrm>
-          <a:prstGeom prst="rect">
-            <a:avLst/>
-          </a:prstGeom>
-          <a:noFill/>
-        </p:spPr>
-        <p:txBody>
-          <a:bodyPr wrap="square" rtlCol="0">
-            <a:spAutoFit/>
-          </a:bodyPr>
-          <a:lstStyle/>
-          <a:p>
-            <a:r>
-              <a:rPr lang="fr-FR" sz="1100" dirty="0" smtClean="0"/>
-              <a:t>La taille du cercle -&gt; l’importance du </a:t>
-            </a:r>
-            <a:r>
-              <a:rPr lang="fr-FR" sz="1100" dirty="0" err="1" smtClean="0"/>
-              <a:t>topic</a:t>
-            </a:r>
-            <a:r>
-              <a:rPr lang="fr-FR" sz="1100" dirty="0" smtClean="0"/>
-              <a:t> dans le document</a:t>
-            </a:r>
-          </a:p>
-          <a:p>
-            <a:r>
-              <a:rPr lang="fr-FR" sz="1100" dirty="0" smtClean="0"/>
-              <a:t>Distance entre les cercles -&gt; similitude</a:t>
-            </a:r>
-          </a:p>
-          <a:p>
-            <a:r>
-              <a:rPr lang="fr-FR" sz="1100" dirty="0" smtClean="0"/>
-              <a:t>Plot en rouge </a:t>
-            </a:r>
-            <a:r>
-              <a:rPr lang="fr-FR" sz="1100" dirty="0"/>
-              <a:t>-&gt; </a:t>
-            </a:r>
-            <a:r>
-              <a:rPr lang="fr-FR" sz="1100" dirty="0" smtClean="0"/>
-              <a:t>proportion des mots dans le </a:t>
-            </a:r>
-            <a:r>
-              <a:rPr lang="fr-FR" sz="1100" dirty="0" err="1" smtClean="0"/>
-              <a:t>topic</a:t>
-            </a:r>
-            <a:endParaRPr lang="fr-FR" sz="1100" dirty="0"/>
-          </a:p>
-        </p:txBody>
-      </p:sp>
     </p:spTree>
     <p:extLst>
       <p:ext uri="{BB962C8B-B14F-4D97-AF65-F5344CB8AC3E}">
